--- a/lectures/lecture01/01-introduction.pptx
+++ b/lectures/lecture01/01-introduction.pptx
@@ -6711,7 +6711,7 @@
           <a:p>
             <a:r>
               <a:rPr lang="en-US" dirty="0"/>
-              <a:t>COMS W3132: </a:t>
+              <a:t>COMS 2132: </a:t>
             </a:r>
             <a:r>
               <a:rPr lang="en-US" strike="sngStrike" dirty="0">

--- a/lectures/lecture01/01-introduction.pptx
+++ b/lectures/lecture01/01-introduction.pptx
@@ -7851,7 +7851,7 @@
           <p:nvPr>
             <p:extLst>
               <p:ext uri="{D42A27DB-BD31-4B8C-83A1-F6EECF244321}">
-                <p14:modId xmlns:p14="http://schemas.microsoft.com/office/powerpoint/2010/main" val="3818745991"/>
+                <p14:modId xmlns:p14="http://schemas.microsoft.com/office/powerpoint/2010/main" val="3749423479"/>
               </p:ext>
             </p:extLst>
           </p:nvPr>
@@ -7947,7 +7947,7 @@
                       <a:pPr algn="ctr"/>
                       <a:r>
                         <a:rPr lang="en-US" sz="3200" dirty="0"/>
-                        <a:t>10%</a:t>
+                        <a:t>15%</a:t>
                       </a:r>
                     </a:p>
                   </a:txBody>
@@ -7982,7 +7982,7 @@
                       <a:pPr algn="ctr"/>
                       <a:r>
                         <a:rPr lang="en-US" sz="3200" dirty="0"/>
-                        <a:t>10%</a:t>
+                        <a:t>15%</a:t>
                       </a:r>
                     </a:p>
                   </a:txBody>
@@ -8052,7 +8052,7 @@
                       <a:pPr algn="ctr"/>
                       <a:r>
                         <a:rPr lang="en-US" sz="3200" b="1" dirty="0"/>
-                        <a:t>50%</a:t>
+                        <a:t>40%</a:t>
                       </a:r>
                     </a:p>
                   </a:txBody>
